--- a/docs/Results.pptx
+++ b/docs/Results.pptx
@@ -4,13 +4,18 @@
   <p:sldMasterIdLst>
     <p:sldMasterId id="2147483648" r:id="rId1"/>
   </p:sldMasterIdLst>
+  <p:notesMasterIdLst>
+    <p:notesMasterId r:id="rId10"/>
+  </p:notesMasterIdLst>
   <p:sldIdLst>
     <p:sldId id="256" r:id="rId2"/>
     <p:sldId id="263" r:id="rId3"/>
     <p:sldId id="267" r:id="rId4"/>
     <p:sldId id="264" r:id="rId5"/>
-    <p:sldId id="266" r:id="rId6"/>
-    <p:sldId id="265" r:id="rId7"/>
+    <p:sldId id="268" r:id="rId6"/>
+    <p:sldId id="270" r:id="rId7"/>
+    <p:sldId id="269" r:id="rId8"/>
+    <p:sldId id="265" r:id="rId9"/>
   </p:sldIdLst>
   <p:sldSz cx="12192000" cy="6858000"/>
   <p:notesSz cx="6858000" cy="9144000"/>
@@ -117,6 +122,524 @@
 </p:presentation>
 </file>
 
+<file path=ppt/notesMasters/notesMaster1.xml><?xml version="1.0" encoding="utf-8"?>
+<p:notesMaster xmlns:a="http://schemas.openxmlformats.org/drawingml/2006/main" xmlns:r="http://schemas.openxmlformats.org/officeDocument/2006/relationships" xmlns:p="http://schemas.openxmlformats.org/presentationml/2006/main">
+  <p:cSld>
+    <p:bg>
+      <p:bgRef idx="1001">
+        <a:schemeClr val="bg1"/>
+      </p:bgRef>
+    </p:bg>
+    <p:spTree>
+      <p:nvGrpSpPr>
+        <p:cNvPr id="1" name=""/>
+        <p:cNvGrpSpPr/>
+        <p:nvPr/>
+      </p:nvGrpSpPr>
+      <p:grpSpPr>
+        <a:xfrm>
+          <a:off x="0" y="0"/>
+          <a:ext cx="0" cy="0"/>
+          <a:chOff x="0" y="0"/>
+          <a:chExt cx="0" cy="0"/>
+        </a:xfrm>
+      </p:grpSpPr>
+      <p:sp>
+        <p:nvSpPr>
+          <p:cNvPr id="2" name="Header Placeholder 1"/>
+          <p:cNvSpPr>
+            <a:spLocks noGrp="1"/>
+          </p:cNvSpPr>
+          <p:nvPr>
+            <p:ph type="hdr" sz="quarter"/>
+          </p:nvPr>
+        </p:nvSpPr>
+        <p:spPr>
+          <a:xfrm>
+            <a:off x="0" y="0"/>
+            <a:ext cx="2971800" cy="458788"/>
+          </a:xfrm>
+          <a:prstGeom prst="rect">
+            <a:avLst/>
+          </a:prstGeom>
+        </p:spPr>
+        <p:txBody>
+          <a:bodyPr vert="horz" lIns="91440" tIns="45720" rIns="91440" bIns="45720" rtlCol="0"/>
+          <a:lstStyle>
+            <a:lvl1pPr algn="l">
+              <a:defRPr sz="1200"/>
+            </a:lvl1pPr>
+          </a:lstStyle>
+          <a:p>
+            <a:endParaRPr lang="en-US"/>
+          </a:p>
+        </p:txBody>
+      </p:sp>
+      <p:sp>
+        <p:nvSpPr>
+          <p:cNvPr id="3" name="Date Placeholder 2"/>
+          <p:cNvSpPr>
+            <a:spLocks noGrp="1"/>
+          </p:cNvSpPr>
+          <p:nvPr>
+            <p:ph type="dt" idx="1"/>
+          </p:nvPr>
+        </p:nvSpPr>
+        <p:spPr>
+          <a:xfrm>
+            <a:off x="3884613" y="0"/>
+            <a:ext cx="2971800" cy="458788"/>
+          </a:xfrm>
+          <a:prstGeom prst="rect">
+            <a:avLst/>
+          </a:prstGeom>
+        </p:spPr>
+        <p:txBody>
+          <a:bodyPr vert="horz" lIns="91440" tIns="45720" rIns="91440" bIns="45720" rtlCol="0"/>
+          <a:lstStyle>
+            <a:lvl1pPr algn="r">
+              <a:defRPr sz="1200"/>
+            </a:lvl1pPr>
+          </a:lstStyle>
+          <a:p>
+            <a:fld id="{35BA086B-6685-574A-8A90-23BEA817F8E4}" type="datetimeFigureOut">
+              <a:rPr lang="en-US" smtClean="0"/>
+              <a:t>11/24/23</a:t>
+            </a:fld>
+            <a:endParaRPr lang="en-US"/>
+          </a:p>
+        </p:txBody>
+      </p:sp>
+      <p:sp>
+        <p:nvSpPr>
+          <p:cNvPr id="4" name="Slide Image Placeholder 3"/>
+          <p:cNvSpPr>
+            <a:spLocks noGrp="1" noRot="1" noChangeAspect="1"/>
+          </p:cNvSpPr>
+          <p:nvPr>
+            <p:ph type="sldImg" idx="2"/>
+          </p:nvPr>
+        </p:nvSpPr>
+        <p:spPr>
+          <a:xfrm>
+            <a:off x="685800" y="1143000"/>
+            <a:ext cx="5486400" cy="3086100"/>
+          </a:xfrm>
+          <a:prstGeom prst="rect">
+            <a:avLst/>
+          </a:prstGeom>
+          <a:noFill/>
+          <a:ln w="12700">
+            <a:solidFill>
+              <a:prstClr val="black"/>
+            </a:solidFill>
+          </a:ln>
+        </p:spPr>
+        <p:txBody>
+          <a:bodyPr vert="horz" lIns="91440" tIns="45720" rIns="91440" bIns="45720" rtlCol="0" anchor="ctr"/>
+          <a:lstStyle/>
+          <a:p>
+            <a:endParaRPr lang="en-US"/>
+          </a:p>
+        </p:txBody>
+      </p:sp>
+      <p:sp>
+        <p:nvSpPr>
+          <p:cNvPr id="5" name="Notes Placeholder 4"/>
+          <p:cNvSpPr>
+            <a:spLocks noGrp="1"/>
+          </p:cNvSpPr>
+          <p:nvPr>
+            <p:ph type="body" sz="quarter" idx="3"/>
+          </p:nvPr>
+        </p:nvSpPr>
+        <p:spPr>
+          <a:xfrm>
+            <a:off x="685800" y="4400550"/>
+            <a:ext cx="5486400" cy="3600450"/>
+          </a:xfrm>
+          <a:prstGeom prst="rect">
+            <a:avLst/>
+          </a:prstGeom>
+        </p:spPr>
+        <p:txBody>
+          <a:bodyPr vert="horz" lIns="91440" tIns="45720" rIns="91440" bIns="45720" rtlCol="0"/>
+          <a:lstStyle/>
+          <a:p>
+            <a:pPr lvl="0"/>
+            <a:r>
+              <a:rPr lang="en-GB"/>
+              <a:t>Click to edit Master text styles</a:t>
+            </a:r>
+          </a:p>
+          <a:p>
+            <a:pPr lvl="1"/>
+            <a:r>
+              <a:rPr lang="en-GB"/>
+              <a:t>Second level</a:t>
+            </a:r>
+          </a:p>
+          <a:p>
+            <a:pPr lvl="2"/>
+            <a:r>
+              <a:rPr lang="en-GB"/>
+              <a:t>Third level</a:t>
+            </a:r>
+          </a:p>
+          <a:p>
+            <a:pPr lvl="3"/>
+            <a:r>
+              <a:rPr lang="en-GB"/>
+              <a:t>Fourth level</a:t>
+            </a:r>
+          </a:p>
+          <a:p>
+            <a:pPr lvl="4"/>
+            <a:r>
+              <a:rPr lang="en-GB"/>
+              <a:t>Fifth level</a:t>
+            </a:r>
+            <a:endParaRPr lang="en-US"/>
+          </a:p>
+        </p:txBody>
+      </p:sp>
+      <p:sp>
+        <p:nvSpPr>
+          <p:cNvPr id="6" name="Footer Placeholder 5"/>
+          <p:cNvSpPr>
+            <a:spLocks noGrp="1"/>
+          </p:cNvSpPr>
+          <p:nvPr>
+            <p:ph type="ftr" sz="quarter" idx="4"/>
+          </p:nvPr>
+        </p:nvSpPr>
+        <p:spPr>
+          <a:xfrm>
+            <a:off x="0" y="8685213"/>
+            <a:ext cx="2971800" cy="458787"/>
+          </a:xfrm>
+          <a:prstGeom prst="rect">
+            <a:avLst/>
+          </a:prstGeom>
+        </p:spPr>
+        <p:txBody>
+          <a:bodyPr vert="horz" lIns="91440" tIns="45720" rIns="91440" bIns="45720" rtlCol="0" anchor="b"/>
+          <a:lstStyle>
+            <a:lvl1pPr algn="l">
+              <a:defRPr sz="1200"/>
+            </a:lvl1pPr>
+          </a:lstStyle>
+          <a:p>
+            <a:endParaRPr lang="en-US"/>
+          </a:p>
+        </p:txBody>
+      </p:sp>
+      <p:sp>
+        <p:nvSpPr>
+          <p:cNvPr id="7" name="Slide Number Placeholder 6"/>
+          <p:cNvSpPr>
+            <a:spLocks noGrp="1"/>
+          </p:cNvSpPr>
+          <p:nvPr>
+            <p:ph type="sldNum" sz="quarter" idx="5"/>
+          </p:nvPr>
+        </p:nvSpPr>
+        <p:spPr>
+          <a:xfrm>
+            <a:off x="3884613" y="8685213"/>
+            <a:ext cx="2971800" cy="458787"/>
+          </a:xfrm>
+          <a:prstGeom prst="rect">
+            <a:avLst/>
+          </a:prstGeom>
+        </p:spPr>
+        <p:txBody>
+          <a:bodyPr vert="horz" lIns="91440" tIns="45720" rIns="91440" bIns="45720" rtlCol="0" anchor="b"/>
+          <a:lstStyle>
+            <a:lvl1pPr algn="r">
+              <a:defRPr sz="1200"/>
+            </a:lvl1pPr>
+          </a:lstStyle>
+          <a:p>
+            <a:fld id="{3BF09AA4-DF04-E04F-947C-F0E21CA7D7FC}" type="slidenum">
+              <a:rPr lang="en-US" smtClean="0"/>
+              <a:t>‹#›</a:t>
+            </a:fld>
+            <a:endParaRPr lang="en-US"/>
+          </a:p>
+        </p:txBody>
+      </p:sp>
+    </p:spTree>
+    <p:extLst>
+      <p:ext uri="{BB962C8B-B14F-4D97-AF65-F5344CB8AC3E}">
+        <p14:creationId xmlns:p14="http://schemas.microsoft.com/office/powerpoint/2010/main" val="75029143"/>
+      </p:ext>
+    </p:extLst>
+  </p:cSld>
+  <p:clrMap bg1="lt1" tx1="dk1" bg2="lt2" tx2="dk2" accent1="accent1" accent2="accent2" accent3="accent3" accent4="accent4" accent5="accent5" accent6="accent6" hlink="hlink" folHlink="folHlink"/>
+  <p:notesStyle>
+    <a:lvl1pPr marL="0" algn="l" defTabSz="914400" rtl="0" eaLnBrk="1" latinLnBrk="0" hangingPunct="1">
+      <a:defRPr sz="1200" kern="1200">
+        <a:solidFill>
+          <a:schemeClr val="tx1"/>
+        </a:solidFill>
+        <a:latin typeface="+mn-lt"/>
+        <a:ea typeface="+mn-ea"/>
+        <a:cs typeface="+mn-cs"/>
+      </a:defRPr>
+    </a:lvl1pPr>
+    <a:lvl2pPr marL="457200" algn="l" defTabSz="914400" rtl="0" eaLnBrk="1" latinLnBrk="0" hangingPunct="1">
+      <a:defRPr sz="1200" kern="1200">
+        <a:solidFill>
+          <a:schemeClr val="tx1"/>
+        </a:solidFill>
+        <a:latin typeface="+mn-lt"/>
+        <a:ea typeface="+mn-ea"/>
+        <a:cs typeface="+mn-cs"/>
+      </a:defRPr>
+    </a:lvl2pPr>
+    <a:lvl3pPr marL="914400" algn="l" defTabSz="914400" rtl="0" eaLnBrk="1" latinLnBrk="0" hangingPunct="1">
+      <a:defRPr sz="1200" kern="1200">
+        <a:solidFill>
+          <a:schemeClr val="tx1"/>
+        </a:solidFill>
+        <a:latin typeface="+mn-lt"/>
+        <a:ea typeface="+mn-ea"/>
+        <a:cs typeface="+mn-cs"/>
+      </a:defRPr>
+    </a:lvl3pPr>
+    <a:lvl4pPr marL="1371600" algn="l" defTabSz="914400" rtl="0" eaLnBrk="1" latinLnBrk="0" hangingPunct="1">
+      <a:defRPr sz="1200" kern="1200">
+        <a:solidFill>
+          <a:schemeClr val="tx1"/>
+        </a:solidFill>
+        <a:latin typeface="+mn-lt"/>
+        <a:ea typeface="+mn-ea"/>
+        <a:cs typeface="+mn-cs"/>
+      </a:defRPr>
+    </a:lvl4pPr>
+    <a:lvl5pPr marL="1828800" algn="l" defTabSz="914400" rtl="0" eaLnBrk="1" latinLnBrk="0" hangingPunct="1">
+      <a:defRPr sz="1200" kern="1200">
+        <a:solidFill>
+          <a:schemeClr val="tx1"/>
+        </a:solidFill>
+        <a:latin typeface="+mn-lt"/>
+        <a:ea typeface="+mn-ea"/>
+        <a:cs typeface="+mn-cs"/>
+      </a:defRPr>
+    </a:lvl5pPr>
+    <a:lvl6pPr marL="2286000" algn="l" defTabSz="914400" rtl="0" eaLnBrk="1" latinLnBrk="0" hangingPunct="1">
+      <a:defRPr sz="1200" kern="1200">
+        <a:solidFill>
+          <a:schemeClr val="tx1"/>
+        </a:solidFill>
+        <a:latin typeface="+mn-lt"/>
+        <a:ea typeface="+mn-ea"/>
+        <a:cs typeface="+mn-cs"/>
+      </a:defRPr>
+    </a:lvl6pPr>
+    <a:lvl7pPr marL="2743200" algn="l" defTabSz="914400" rtl="0" eaLnBrk="1" latinLnBrk="0" hangingPunct="1">
+      <a:defRPr sz="1200" kern="1200">
+        <a:solidFill>
+          <a:schemeClr val="tx1"/>
+        </a:solidFill>
+        <a:latin typeface="+mn-lt"/>
+        <a:ea typeface="+mn-ea"/>
+        <a:cs typeface="+mn-cs"/>
+      </a:defRPr>
+    </a:lvl7pPr>
+    <a:lvl8pPr marL="3200400" algn="l" defTabSz="914400" rtl="0" eaLnBrk="1" latinLnBrk="0" hangingPunct="1">
+      <a:defRPr sz="1200" kern="1200">
+        <a:solidFill>
+          <a:schemeClr val="tx1"/>
+        </a:solidFill>
+        <a:latin typeface="+mn-lt"/>
+        <a:ea typeface="+mn-ea"/>
+        <a:cs typeface="+mn-cs"/>
+      </a:defRPr>
+    </a:lvl8pPr>
+    <a:lvl9pPr marL="3657600" algn="l" defTabSz="914400" rtl="0" eaLnBrk="1" latinLnBrk="0" hangingPunct="1">
+      <a:defRPr sz="1200" kern="1200">
+        <a:solidFill>
+          <a:schemeClr val="tx1"/>
+        </a:solidFill>
+        <a:latin typeface="+mn-lt"/>
+        <a:ea typeface="+mn-ea"/>
+        <a:cs typeface="+mn-cs"/>
+      </a:defRPr>
+    </a:lvl9pPr>
+  </p:notesStyle>
+</p:notesMaster>
+</file>
+
+<file path=ppt/notesSlides/notesSlide1.xml><?xml version="1.0" encoding="utf-8"?>
+<p:notes xmlns:a="http://schemas.openxmlformats.org/drawingml/2006/main" xmlns:r="http://schemas.openxmlformats.org/officeDocument/2006/relationships" xmlns:p="http://schemas.openxmlformats.org/presentationml/2006/main">
+  <p:cSld>
+    <p:spTree>
+      <p:nvGrpSpPr>
+        <p:cNvPr id="1" name=""/>
+        <p:cNvGrpSpPr/>
+        <p:nvPr/>
+      </p:nvGrpSpPr>
+      <p:grpSpPr>
+        <a:xfrm>
+          <a:off x="0" y="0"/>
+          <a:ext cx="0" cy="0"/>
+          <a:chOff x="0" y="0"/>
+          <a:chExt cx="0" cy="0"/>
+        </a:xfrm>
+      </p:grpSpPr>
+      <p:sp>
+        <p:nvSpPr>
+          <p:cNvPr id="2" name="Slide Image Placeholder 1"/>
+          <p:cNvSpPr>
+            <a:spLocks noGrp="1" noRot="1" noChangeAspect="1"/>
+          </p:cNvSpPr>
+          <p:nvPr>
+            <p:ph type="sldImg"/>
+          </p:nvPr>
+        </p:nvSpPr>
+        <p:spPr/>
+      </p:sp>
+      <p:sp>
+        <p:nvSpPr>
+          <p:cNvPr id="3" name="Notes Placeholder 2"/>
+          <p:cNvSpPr>
+            <a:spLocks noGrp="1"/>
+          </p:cNvSpPr>
+          <p:nvPr>
+            <p:ph type="body" idx="1"/>
+          </p:nvPr>
+        </p:nvSpPr>
+        <p:spPr/>
+        <p:txBody>
+          <a:bodyPr/>
+          <a:lstStyle/>
+          <a:p>
+            <a:endParaRPr lang="en-US" dirty="0"/>
+          </a:p>
+        </p:txBody>
+      </p:sp>
+      <p:sp>
+        <p:nvSpPr>
+          <p:cNvPr id="4" name="Slide Number Placeholder 3"/>
+          <p:cNvSpPr>
+            <a:spLocks noGrp="1"/>
+          </p:cNvSpPr>
+          <p:nvPr>
+            <p:ph type="sldNum" sz="quarter" idx="5"/>
+          </p:nvPr>
+        </p:nvSpPr>
+        <p:spPr/>
+        <p:txBody>
+          <a:bodyPr/>
+          <a:lstStyle/>
+          <a:p>
+            <a:fld id="{3BF09AA4-DF04-E04F-947C-F0E21CA7D7FC}" type="slidenum">
+              <a:rPr lang="en-US" smtClean="0"/>
+              <a:t>5</a:t>
+            </a:fld>
+            <a:endParaRPr lang="en-US"/>
+          </a:p>
+        </p:txBody>
+      </p:sp>
+    </p:spTree>
+    <p:extLst>
+      <p:ext uri="{BB962C8B-B14F-4D97-AF65-F5344CB8AC3E}">
+        <p14:creationId xmlns:p14="http://schemas.microsoft.com/office/powerpoint/2010/main" val="3301324401"/>
+      </p:ext>
+    </p:extLst>
+  </p:cSld>
+  <p:clrMapOvr>
+    <a:masterClrMapping/>
+  </p:clrMapOvr>
+</p:notes>
+</file>
+
+<file path=ppt/notesSlides/notesSlide2.xml><?xml version="1.0" encoding="utf-8"?>
+<p:notes xmlns:a="http://schemas.openxmlformats.org/drawingml/2006/main" xmlns:r="http://schemas.openxmlformats.org/officeDocument/2006/relationships" xmlns:p="http://schemas.openxmlformats.org/presentationml/2006/main">
+  <p:cSld>
+    <p:spTree>
+      <p:nvGrpSpPr>
+        <p:cNvPr id="1" name=""/>
+        <p:cNvGrpSpPr/>
+        <p:nvPr/>
+      </p:nvGrpSpPr>
+      <p:grpSpPr>
+        <a:xfrm>
+          <a:off x="0" y="0"/>
+          <a:ext cx="0" cy="0"/>
+          <a:chOff x="0" y="0"/>
+          <a:chExt cx="0" cy="0"/>
+        </a:xfrm>
+      </p:grpSpPr>
+      <p:sp>
+        <p:nvSpPr>
+          <p:cNvPr id="2" name="Slide Image Placeholder 1"/>
+          <p:cNvSpPr>
+            <a:spLocks noGrp="1" noRot="1" noChangeAspect="1"/>
+          </p:cNvSpPr>
+          <p:nvPr>
+            <p:ph type="sldImg"/>
+          </p:nvPr>
+        </p:nvSpPr>
+        <p:spPr/>
+      </p:sp>
+      <p:sp>
+        <p:nvSpPr>
+          <p:cNvPr id="3" name="Notes Placeholder 2"/>
+          <p:cNvSpPr>
+            <a:spLocks noGrp="1"/>
+          </p:cNvSpPr>
+          <p:nvPr>
+            <p:ph type="body" idx="1"/>
+          </p:nvPr>
+        </p:nvSpPr>
+        <p:spPr/>
+        <p:txBody>
+          <a:bodyPr/>
+          <a:lstStyle/>
+          <a:p>
+            <a:endParaRPr lang="en-US" dirty="0"/>
+          </a:p>
+        </p:txBody>
+      </p:sp>
+      <p:sp>
+        <p:nvSpPr>
+          <p:cNvPr id="4" name="Slide Number Placeholder 3"/>
+          <p:cNvSpPr>
+            <a:spLocks noGrp="1"/>
+          </p:cNvSpPr>
+          <p:nvPr>
+            <p:ph type="sldNum" sz="quarter" idx="5"/>
+          </p:nvPr>
+        </p:nvSpPr>
+        <p:spPr/>
+        <p:txBody>
+          <a:bodyPr/>
+          <a:lstStyle/>
+          <a:p>
+            <a:fld id="{3BF09AA4-DF04-E04F-947C-F0E21CA7D7FC}" type="slidenum">
+              <a:rPr lang="en-US" smtClean="0"/>
+              <a:t>6</a:t>
+            </a:fld>
+            <a:endParaRPr lang="en-US"/>
+          </a:p>
+        </p:txBody>
+      </p:sp>
+    </p:spTree>
+    <p:extLst>
+      <p:ext uri="{BB962C8B-B14F-4D97-AF65-F5344CB8AC3E}">
+        <p14:creationId xmlns:p14="http://schemas.microsoft.com/office/powerpoint/2010/main" val="555656647"/>
+      </p:ext>
+    </p:extLst>
+  </p:cSld>
+  <p:clrMapOvr>
+    <a:masterClrMapping/>
+  </p:clrMapOvr>
+</p:notes>
+</file>
+
 <file path=ppt/slideLayouts/slideLayout1.xml><?xml version="1.0" encoding="utf-8"?>
 <p:sldLayout xmlns:a="http://schemas.openxmlformats.org/drawingml/2006/main" xmlns:r="http://schemas.openxmlformats.org/officeDocument/2006/relationships" xmlns:p="http://schemas.openxmlformats.org/presentationml/2006/main" type="title" preserve="1">
   <p:cSld name="Title Slide">
@@ -266,7 +789,7 @@
           <a:p>
             <a:fld id="{4AD6D5BA-1DDA-3146-880B-8E48A2BEE486}" type="datetimeFigureOut">
               <a:rPr lang="en-US" smtClean="0"/>
-              <a:t>11/22/23</a:t>
+              <a:t>11/24/23</a:t>
             </a:fld>
             <a:endParaRPr lang="en-US"/>
           </a:p>
@@ -466,7 +989,7 @@
           <a:p>
             <a:fld id="{4AD6D5BA-1DDA-3146-880B-8E48A2BEE486}" type="datetimeFigureOut">
               <a:rPr lang="en-US" smtClean="0"/>
-              <a:t>11/22/23</a:t>
+              <a:t>11/24/23</a:t>
             </a:fld>
             <a:endParaRPr lang="en-US"/>
           </a:p>
@@ -676,7 +1199,7 @@
           <a:p>
             <a:fld id="{4AD6D5BA-1DDA-3146-880B-8E48A2BEE486}" type="datetimeFigureOut">
               <a:rPr lang="en-US" smtClean="0"/>
-              <a:t>11/22/23</a:t>
+              <a:t>11/24/23</a:t>
             </a:fld>
             <a:endParaRPr lang="en-US"/>
           </a:p>
@@ -876,7 +1399,7 @@
           <a:p>
             <a:fld id="{4AD6D5BA-1DDA-3146-880B-8E48A2BEE486}" type="datetimeFigureOut">
               <a:rPr lang="en-US" smtClean="0"/>
-              <a:t>11/22/23</a:t>
+              <a:t>11/24/23</a:t>
             </a:fld>
             <a:endParaRPr lang="en-US"/>
           </a:p>
@@ -1152,7 +1675,7 @@
           <a:p>
             <a:fld id="{4AD6D5BA-1DDA-3146-880B-8E48A2BEE486}" type="datetimeFigureOut">
               <a:rPr lang="en-US" smtClean="0"/>
-              <a:t>11/22/23</a:t>
+              <a:t>11/24/23</a:t>
             </a:fld>
             <a:endParaRPr lang="en-US"/>
           </a:p>
@@ -1420,7 +1943,7 @@
           <a:p>
             <a:fld id="{4AD6D5BA-1DDA-3146-880B-8E48A2BEE486}" type="datetimeFigureOut">
               <a:rPr lang="en-US" smtClean="0"/>
-              <a:t>11/22/23</a:t>
+              <a:t>11/24/23</a:t>
             </a:fld>
             <a:endParaRPr lang="en-US"/>
           </a:p>
@@ -1835,7 +2358,7 @@
           <a:p>
             <a:fld id="{4AD6D5BA-1DDA-3146-880B-8E48A2BEE486}" type="datetimeFigureOut">
               <a:rPr lang="en-US" smtClean="0"/>
-              <a:t>11/22/23</a:t>
+              <a:t>11/24/23</a:t>
             </a:fld>
             <a:endParaRPr lang="en-US"/>
           </a:p>
@@ -1977,7 +2500,7 @@
           <a:p>
             <a:fld id="{4AD6D5BA-1DDA-3146-880B-8E48A2BEE486}" type="datetimeFigureOut">
               <a:rPr lang="en-US" smtClean="0"/>
-              <a:t>11/22/23</a:t>
+              <a:t>11/24/23</a:t>
             </a:fld>
             <a:endParaRPr lang="en-US"/>
           </a:p>
@@ -2090,7 +2613,7 @@
           <a:p>
             <a:fld id="{4AD6D5BA-1DDA-3146-880B-8E48A2BEE486}" type="datetimeFigureOut">
               <a:rPr lang="en-US" smtClean="0"/>
-              <a:t>11/22/23</a:t>
+              <a:t>11/24/23</a:t>
             </a:fld>
             <a:endParaRPr lang="en-US"/>
           </a:p>
@@ -2403,7 +2926,7 @@
           <a:p>
             <a:fld id="{4AD6D5BA-1DDA-3146-880B-8E48A2BEE486}" type="datetimeFigureOut">
               <a:rPr lang="en-US" smtClean="0"/>
-              <a:t>11/22/23</a:t>
+              <a:t>11/24/23</a:t>
             </a:fld>
             <a:endParaRPr lang="en-US"/>
           </a:p>
@@ -2692,7 +3215,7 @@
           <a:p>
             <a:fld id="{4AD6D5BA-1DDA-3146-880B-8E48A2BEE486}" type="datetimeFigureOut">
               <a:rPr lang="en-US" smtClean="0"/>
-              <a:t>11/22/23</a:t>
+              <a:t>11/24/23</a:t>
             </a:fld>
             <a:endParaRPr lang="en-US"/>
           </a:p>
@@ -2935,7 +3458,7 @@
           <a:p>
             <a:fld id="{4AD6D5BA-1DDA-3146-880B-8E48A2BEE486}" type="datetimeFigureOut">
               <a:rPr lang="en-US" smtClean="0"/>
-              <a:t>11/22/23</a:t>
+              <a:t>11/24/23</a:t>
             </a:fld>
             <a:endParaRPr lang="en-US"/>
           </a:p>
@@ -3492,7 +4015,7 @@
         <p:spPr>
           <a:xfrm>
             <a:off x="838200" y="1326860"/>
-            <a:ext cx="10515600" cy="3684527"/>
+            <a:ext cx="10515600" cy="4866122"/>
           </a:xfrm>
         </p:spPr>
         <p:txBody>
@@ -3502,49 +4025,49 @@
           <a:lstStyle/>
           <a:p>
             <a:r>
-              <a:rPr lang="en-US" sz="1600" dirty="0"/>
+              <a:rPr lang="en-US" sz="2000" dirty="0"/>
               <a:t>Most Lung Cancer Screening (LCS) programmes use some form of CADe to support Radiologists.</a:t>
             </a:r>
           </a:p>
           <a:p>
             <a:r>
-              <a:rPr lang="en-US" sz="1600" dirty="0"/>
+              <a:rPr lang="en-US" sz="2000" dirty="0"/>
               <a:t>Modern CADe systems now use some form of deep learning (DL).</a:t>
             </a:r>
           </a:p>
           <a:p>
             <a:r>
-              <a:rPr lang="en-US" sz="1600" dirty="0"/>
+              <a:rPr lang="en-US" sz="2000" dirty="0"/>
               <a:t>Performance of neural nets rely on large amounts of training data and in most cases struggle to generalize well.</a:t>
             </a:r>
           </a:p>
           <a:p>
             <a:r>
-              <a:rPr lang="en-US" sz="1600" dirty="0"/>
+              <a:rPr lang="en-US" sz="2000" dirty="0"/>
               <a:t>Due to commercial competitiveness, model architecture and training data of CADe systems is kept secret.</a:t>
             </a:r>
           </a:p>
           <a:p>
             <a:r>
-              <a:rPr lang="en-US" sz="1600" dirty="0"/>
+              <a:rPr lang="en-US" sz="2000" dirty="0"/>
               <a:t>Following work investigates generalisability of two publicly available state of the art (SOTA) nodule detection algorithms as proxies for commercial CADe systems.</a:t>
             </a:r>
           </a:p>
           <a:p>
             <a:r>
-              <a:rPr lang="en-US" sz="1600" dirty="0"/>
-              <a:t>Several papers have highlighted that the under-perform on protected groups due to the training data imbalance.</a:t>
-            </a:r>
-          </a:p>
-          <a:p>
-            <a:r>
-              <a:rPr lang="en-US" sz="1600" dirty="0"/>
+              <a:rPr lang="en-US" sz="2000" dirty="0"/>
+              <a:t>Several papers have highlighted that DL models under-perform on protected groups due to the training data imbalance.</a:t>
+            </a:r>
+          </a:p>
+          <a:p>
+            <a:r>
+              <a:rPr lang="en-US" sz="2000" dirty="0"/>
               <a:t>The SUMMIT dataset is imbalanced with regards to gender and ethnicity.</a:t>
             </a:r>
           </a:p>
           <a:p>
             <a:r>
-              <a:rPr lang="en-US" sz="1600" dirty="0"/>
+              <a:rPr lang="en-US" sz="2000" dirty="0"/>
               <a:t>This work additionally investigates whether there is any variation in performance across these protected groups.</a:t>
             </a:r>
           </a:p>
@@ -3648,7 +4171,7 @@
               <a:buAutoNum type="arabicPeriod"/>
             </a:pPr>
             <a:r>
-              <a:rPr lang="en-US" sz="1800" dirty="0"/>
+              <a:rPr lang="en-US" sz="2000" dirty="0"/>
               <a:t>Evaluate SUMMIT with data trained on LUNA16 to identify if there is a performance drop due to data drift between LUNA16 and SUMMIT.</a:t>
             </a:r>
           </a:p>
@@ -3658,7 +4181,7 @@
               <a:buAutoNum type="arabicPeriod"/>
             </a:pPr>
             <a:r>
-              <a:rPr lang="en-US" sz="1800" dirty="0"/>
+              <a:rPr lang="en-US" sz="2000" dirty="0"/>
               <a:t>Identify model sensitivity to being tuned for specific dataset by re-training models on SUMMIT data without changing any hyperparameters to.</a:t>
             </a:r>
           </a:p>
@@ -3668,7 +4191,7 @@
               <a:buAutoNum type="arabicPeriod"/>
             </a:pPr>
             <a:r>
-              <a:rPr lang="en-US" sz="1800" dirty="0"/>
+              <a:rPr lang="en-US" sz="2000" dirty="0"/>
               <a:t>Review performance for protected groups e.g. gender and ethnicity.</a:t>
             </a:r>
           </a:p>
@@ -3728,12 +4251,12 @@
         </p:spPr>
         <p:txBody>
           <a:bodyPr>
-            <a:normAutofit/>
+            <a:noAutofit/>
           </a:bodyPr>
           <a:lstStyle/>
           <a:p>
             <a:r>
-              <a:rPr lang="en-US" sz="2800" dirty="0"/>
+              <a:rPr lang="en-US" sz="4000" dirty="0"/>
               <a:t>Methods</a:t>
             </a:r>
           </a:p>
@@ -3757,123 +4280,87 @@
         </p:nvSpPr>
         <p:spPr>
           <a:xfrm>
-            <a:off x="838200" y="1306286"/>
+            <a:off x="636319" y="1324099"/>
             <a:ext cx="5181600" cy="4870677"/>
           </a:xfrm>
         </p:spPr>
         <p:txBody>
           <a:bodyPr>
-            <a:normAutofit/>
+            <a:normAutofit lnSpcReduction="10000"/>
           </a:bodyPr>
           <a:lstStyle/>
           <a:p>
             <a:r>
+              <a:rPr lang="en-US" sz="2000" dirty="0"/>
+              <a:t>Public nodule detection algorithms are typically trained and evaluated against the LUNA16 dataset. The standard metric used to measure performance is FROC.</a:t>
+            </a:r>
+          </a:p>
+          <a:p>
+            <a:r>
+              <a:rPr lang="en-US" sz="2000" dirty="0"/>
+              <a:t>Select two publicly available SOTA nodule detection algorithms to act as proxies for commercial products.</a:t>
+            </a:r>
+          </a:p>
+          <a:p>
+            <a:r>
+              <a:rPr lang="en-US" sz="2000" dirty="0"/>
+              <a:t>Selection based on following criteria:</a:t>
+            </a:r>
+          </a:p>
+          <a:p>
+            <a:pPr lvl="1"/>
+            <a:r>
               <a:rPr lang="en-US" sz="1800" dirty="0"/>
-              <a:t>Public nodule detection algorithms are typically trained and evaluated against the LUNA16 dataset, which comprises:</a:t>
+              <a:t>Published LUNA16 FROC score </a:t>
             </a:r>
           </a:p>
           <a:p>
             <a:pPr lvl="1"/>
             <a:r>
-              <a:rPr lang="en-US" sz="1400" dirty="0"/>
-              <a:t>Released 2016 (updates up until 2018)</a:t>
+              <a:rPr lang="en-US" sz="1800" dirty="0"/>
+              <a:t>One-time SOTA FROC score</a:t>
             </a:r>
           </a:p>
           <a:p>
             <a:pPr lvl="1"/>
             <a:r>
-              <a:rPr lang="en-US" sz="1400" dirty="0"/>
-              <a:t>888 Lung CT, with 1187 nodules</a:t>
+              <a:rPr lang="en-US" sz="1800" dirty="0"/>
+              <a:t>Uses single timepoint</a:t>
             </a:r>
           </a:p>
           <a:p>
             <a:pPr lvl="1"/>
             <a:r>
-              <a:rPr lang="en-US" sz="1400" dirty="0"/>
-              <a:t>Slice thickness :</a:t>
-            </a:r>
-          </a:p>
-          <a:p>
-            <a:pPr lvl="2"/>
-            <a:r>
-              <a:rPr lang="en-US" sz="1200" dirty="0"/>
-              <a:t>174 cases &lt; 1mm</a:t>
-            </a:r>
-          </a:p>
-          <a:p>
-            <a:pPr lvl="2"/>
-            <a:r>
-              <a:rPr lang="en-US" sz="1200" dirty="0"/>
-              <a:t>395 cases &gt;= 1mm and &lt; 2mm</a:t>
-            </a:r>
-          </a:p>
-          <a:p>
-            <a:pPr lvl="2"/>
-            <a:r>
-              <a:rPr lang="en-US" sz="1200" dirty="0"/>
-              <a:t>319 cases &gt;= 2mm</a:t>
-            </a:r>
-            <a:endParaRPr lang="en-US" sz="1600" dirty="0"/>
-          </a:p>
-          <a:p>
-            <a:r>
-              <a:rPr lang="en-US" sz="1600" dirty="0"/>
-              <a:t>Select two publicly available SOTA nodule detection algorithms to act as proxies for commercial products.</a:t>
-            </a:r>
-          </a:p>
-          <a:p>
-            <a:r>
-              <a:rPr lang="en-US" sz="1600" dirty="0"/>
-              <a:t>Selection based on following criteria:</a:t>
+              <a:rPr lang="en-US" sz="1800" dirty="0"/>
+              <a:t>Code available</a:t>
+            </a:r>
+          </a:p>
+          <a:p>
+            <a:r>
+              <a:rPr lang="en-US" sz="2000" dirty="0"/>
+              <a:t>Models selected:</a:t>
             </a:r>
           </a:p>
           <a:p>
             <a:pPr lvl="1"/>
             <a:r>
-              <a:rPr lang="en-US" sz="1200" dirty="0"/>
-              <a:t>Code available</a:t>
+              <a:rPr lang="en-US" sz="1800" dirty="0"/>
+              <a:t>GRT123, winner Kaggle Data Science Bowl 2017</a:t>
             </a:r>
           </a:p>
           <a:p>
             <a:pPr lvl="1"/>
             <a:r>
-              <a:rPr lang="en-US" sz="1200" dirty="0"/>
-              <a:t>Uses single timepoint</a:t>
-            </a:r>
-          </a:p>
-          <a:p>
-            <a:pPr lvl="1"/>
-            <a:r>
-              <a:rPr lang="en-US" sz="1200" dirty="0"/>
-              <a:t>Published LUNA16 FROC score </a:t>
-            </a:r>
-          </a:p>
-          <a:p>
-            <a:r>
-              <a:rPr lang="en-US" sz="1600" dirty="0"/>
-              <a:t>Models selected:</a:t>
-            </a:r>
-          </a:p>
-          <a:p>
-            <a:pPr lvl="1"/>
-            <a:r>
-              <a:rPr lang="en-US" sz="1200" dirty="0"/>
-              <a:t>GRT123, winner Kaggle Data Science Bowl 2017</a:t>
-            </a:r>
-          </a:p>
-          <a:p>
-            <a:pPr lvl="1"/>
-            <a:r>
-              <a:rPr lang="en-US" sz="1200" dirty="0" err="1"/>
+              <a:rPr lang="en-US" sz="1800" dirty="0" err="1"/>
               <a:t>nnDetection</a:t>
             </a:r>
             <a:r>
-              <a:rPr lang="en-US" sz="1200" dirty="0"/>
+              <a:rPr lang="en-US" sz="1800" dirty="0"/>
               <a:t> implemented in MONAI</a:t>
             </a:r>
           </a:p>
           <a:p>
-            <a:endParaRPr lang="en-US" sz="1600" dirty="0"/>
+            <a:endParaRPr lang="en-US" sz="1800" dirty="0"/>
           </a:p>
         </p:txBody>
       </p:sp>
@@ -3915,10 +4402,10 @@
       </p:cxnSp>
       <p:sp>
         <p:nvSpPr>
-          <p:cNvPr id="13" name="Content Placeholder 2">
-            <a:extLst>
-              <a:ext uri="{FF2B5EF4-FFF2-40B4-BE49-F238E27FC236}">
-                <a16:creationId xmlns:a16="http://schemas.microsoft.com/office/drawing/2014/main" id="{7674EA15-1E5B-757C-8983-CB2CE5C3CE3F}"/>
+          <p:cNvPr id="4" name="Content Placeholder 2">
+            <a:extLst>
+              <a:ext uri="{FF2B5EF4-FFF2-40B4-BE49-F238E27FC236}">
+                <a16:creationId xmlns:a16="http://schemas.microsoft.com/office/drawing/2014/main" id="{F98A4464-6B19-4B7E-0E08-CF7A76537F5E}"/>
               </a:ext>
             </a:extLst>
           </p:cNvPr>
@@ -3929,7 +4416,7 @@
         </p:nvSpPr>
         <p:spPr>
           <a:xfrm>
-            <a:off x="6221681" y="1306286"/>
+            <a:off x="6506688" y="1324098"/>
             <a:ext cx="5181600" cy="4870677"/>
           </a:xfrm>
           <a:prstGeom prst="rect">
@@ -4106,13 +4593,36 @@
           </a:lstStyle>
           <a:p>
             <a:r>
-              <a:rPr lang="en-US" sz="1800"/>
-              <a:t>GRT123 </a:t>
-            </a:r>
-            <a:endParaRPr lang="en-US" sz="1200" dirty="0"/>
-          </a:p>
-          <a:p>
-            <a:endParaRPr lang="en-US" sz="1600" dirty="0"/>
+              <a:rPr lang="en-US" sz="2000" dirty="0"/>
+              <a:t>Infer results on SUMMIT validation datasets on models trained on LUNA16 data (use weights where available, otherwise retrain on LUNA16 data)</a:t>
+            </a:r>
+          </a:p>
+          <a:p>
+            <a:r>
+              <a:rPr lang="en-US" sz="2000" dirty="0"/>
+              <a:t>Train models on SUMMIT training dataset and re-run inference on validation dataset.</a:t>
+            </a:r>
+          </a:p>
+          <a:p>
+            <a:r>
+              <a:rPr lang="en-US" sz="2000" dirty="0"/>
+              <a:t>Filter results by protective groups to check relative performance based on naturally imbalanced SUMMIT dataset.</a:t>
+            </a:r>
+          </a:p>
+          <a:p>
+            <a:r>
+              <a:rPr lang="en-US" sz="2000" dirty="0"/>
+              <a:t>Re-train models on different subsets of SUMMIT training set to see effect of balancing protected groups.</a:t>
+            </a:r>
+          </a:p>
+          <a:p>
+            <a:r>
+              <a:rPr lang="en-US" sz="2000" dirty="0"/>
+              <a:t>Optimise model hyperparameters for SUMMIT dataset and evaluate performance.</a:t>
+            </a:r>
+          </a:p>
+          <a:p>
+            <a:endParaRPr lang="en-US" sz="2000" dirty="0"/>
           </a:p>
         </p:txBody>
       </p:sp>
@@ -4151,7 +4661,7 @@
           <p:cNvPr id="2" name="Title 1">
             <a:extLst>
               <a:ext uri="{FF2B5EF4-FFF2-40B4-BE49-F238E27FC236}">
-                <a16:creationId xmlns:a16="http://schemas.microsoft.com/office/drawing/2014/main" id="{FBF64CF0-C548-DC0B-827B-E3A38D5DBC0B}"/>
+                <a16:creationId xmlns:a16="http://schemas.microsoft.com/office/drawing/2014/main" id="{1E21C1BF-D68F-DEF1-3A7D-6DD024357125}"/>
               </a:ext>
             </a:extLst>
           </p:cNvPr>
@@ -4162,69 +4672,489 @@
             <p:ph type="title"/>
           </p:nvPr>
         </p:nvSpPr>
-        <p:spPr/>
+        <p:spPr>
+          <a:xfrm>
+            <a:off x="839788" y="365125"/>
+            <a:ext cx="10515600" cy="587375"/>
+          </a:xfrm>
+        </p:spPr>
+        <p:txBody>
+          <a:bodyPr>
+            <a:normAutofit fontScale="90000"/>
+          </a:bodyPr>
+          <a:lstStyle/>
+          <a:p>
+            <a:r>
+              <a:rPr lang="en-US" dirty="0"/>
+              <a:t>Models</a:t>
+            </a:r>
+          </a:p>
+        </p:txBody>
+      </p:sp>
+      <p:sp>
+        <p:nvSpPr>
+          <p:cNvPr id="5" name="Text Placeholder 4">
+            <a:extLst>
+              <a:ext uri="{FF2B5EF4-FFF2-40B4-BE49-F238E27FC236}">
+                <a16:creationId xmlns:a16="http://schemas.microsoft.com/office/drawing/2014/main" id="{C8A140BC-A8B0-D803-C902-498294D61B92}"/>
+              </a:ext>
+            </a:extLst>
+          </p:cNvPr>
+          <p:cNvSpPr>
+            <a:spLocks noGrp="1"/>
+          </p:cNvSpPr>
+          <p:nvPr>
+            <p:ph type="body" idx="1"/>
+          </p:nvPr>
+        </p:nvSpPr>
+        <p:spPr>
+          <a:xfrm>
+            <a:off x="836612" y="952500"/>
+            <a:ext cx="5157787" cy="587375"/>
+          </a:xfrm>
+        </p:spPr>
         <p:txBody>
           <a:bodyPr/>
           <a:lstStyle/>
           <a:p>
-            <a:endParaRPr lang="en-US"/>
-          </a:p>
-        </p:txBody>
-      </p:sp>
-      <p:sp>
-        <p:nvSpPr>
-          <p:cNvPr id="3" name="Content Placeholder 2">
-            <a:extLst>
-              <a:ext uri="{FF2B5EF4-FFF2-40B4-BE49-F238E27FC236}">
-                <a16:creationId xmlns:a16="http://schemas.microsoft.com/office/drawing/2014/main" id="{1B5535E1-0029-7712-CE23-DEA327119DFE}"/>
-              </a:ext>
-            </a:extLst>
-          </p:cNvPr>
-          <p:cNvSpPr>
-            <a:spLocks noGrp="1"/>
-          </p:cNvSpPr>
-          <p:nvPr>
-            <p:ph sz="half" idx="1"/>
-          </p:nvPr>
-        </p:nvSpPr>
-        <p:spPr/>
-        <p:txBody>
-          <a:bodyPr/>
-          <a:lstStyle/>
-          <a:p>
-            <a:endParaRPr lang="en-US"/>
-          </a:p>
-        </p:txBody>
-      </p:sp>
-      <p:sp>
-        <p:nvSpPr>
-          <p:cNvPr id="4" name="Content Placeholder 3">
-            <a:extLst>
-              <a:ext uri="{FF2B5EF4-FFF2-40B4-BE49-F238E27FC236}">
-                <a16:creationId xmlns:a16="http://schemas.microsoft.com/office/drawing/2014/main" id="{89E89F6D-CDEE-1D27-AFDD-5FB144F522A5}"/>
-              </a:ext>
-            </a:extLst>
-          </p:cNvPr>
-          <p:cNvSpPr>
-            <a:spLocks noGrp="1"/>
-          </p:cNvSpPr>
-          <p:nvPr>
-            <p:ph sz="half" idx="2"/>
-          </p:nvPr>
-        </p:nvSpPr>
-        <p:spPr/>
-        <p:txBody>
-          <a:bodyPr/>
-          <a:lstStyle/>
-          <a:p>
-            <a:endParaRPr lang="en-US"/>
+            <a:r>
+              <a:rPr lang="en-US" dirty="0"/>
+              <a:t>GRT123</a:t>
+            </a:r>
+          </a:p>
+        </p:txBody>
+      </p:sp>
+      <mc:AlternateContent xmlns:mc="http://schemas.openxmlformats.org/markup-compatibility/2006">
+        <mc:Choice xmlns:a14="http://schemas.microsoft.com/office/drawing/2010/main" Requires="a14">
+          <p:sp>
+            <p:nvSpPr>
+              <p:cNvPr id="6" name="Content Placeholder 5">
+                <a:extLst>
+                  <a:ext uri="{FF2B5EF4-FFF2-40B4-BE49-F238E27FC236}">
+                    <a16:creationId xmlns:a16="http://schemas.microsoft.com/office/drawing/2014/main" id="{52B79406-BDED-A818-0D4A-9E63B04BCA30}"/>
+                  </a:ext>
+                </a:extLst>
+              </p:cNvPr>
+              <p:cNvSpPr>
+                <a:spLocks noGrp="1"/>
+              </p:cNvSpPr>
+              <p:nvPr>
+                <p:ph sz="half" idx="2"/>
+              </p:nvPr>
+            </p:nvSpPr>
+            <p:spPr>
+              <a:xfrm>
+                <a:off x="839788" y="1539875"/>
+                <a:ext cx="5157787" cy="4649788"/>
+              </a:xfrm>
+            </p:spPr>
+            <p:txBody>
+              <a:bodyPr>
+                <a:normAutofit/>
+              </a:bodyPr>
+              <a:lstStyle/>
+              <a:p>
+                <a:r>
+                  <a:rPr lang="en-US" sz="2000" dirty="0"/>
+                  <a:t>Primary objective is malignancy prediction.</a:t>
+                </a:r>
+              </a:p>
+              <a:p>
+                <a:r>
+                  <a:rPr lang="en-US" sz="2000" dirty="0"/>
+                  <a:t>Two stage model, detector &amp; classifier.</a:t>
+                </a:r>
+              </a:p>
+              <a:p>
+                <a:r>
+                  <a:rPr lang="en-US" sz="2000" dirty="0"/>
+                  <a:t>Pre-processing</a:t>
+                </a:r>
+              </a:p>
+              <a:p>
+                <a:pPr lvl="1"/>
+                <a:r>
+                  <a:rPr lang="en-US" sz="1600" dirty="0"/>
+                  <a:t>Lung segmentations are generated using a region growing method.</a:t>
+                </a:r>
+              </a:p>
+              <a:p>
+                <a:pPr lvl="1"/>
+                <a:r>
+                  <a:rPr lang="en-US" sz="1600" dirty="0"/>
+                  <a:t>All images are resampled to </a:t>
+                </a:r>
+                <a14:m>
+                  <m:oMath xmlns:m="http://schemas.openxmlformats.org/officeDocument/2006/math">
+                    <m:sSup>
+                      <m:sSupPr>
+                        <m:ctrlPr>
+                          <a:rPr lang="en-US" sz="1600" i="1" dirty="0" smtClean="0">
+                            <a:latin typeface="Cambria Math" panose="02040503050406030204" pitchFamily="18" charset="0"/>
+                          </a:rPr>
+                        </m:ctrlPr>
+                      </m:sSupPr>
+                      <m:e>
+                        <m:r>
+                          <a:rPr lang="en-GB" sz="1600" b="0" i="1" dirty="0" smtClean="0">
+                            <a:latin typeface="Cambria Math" panose="02040503050406030204" pitchFamily="18" charset="0"/>
+                          </a:rPr>
+                          <m:t>1</m:t>
+                        </m:r>
+                        <m:r>
+                          <a:rPr lang="en-GB" sz="1600" b="0" i="1" dirty="0" smtClean="0">
+                            <a:latin typeface="Cambria Math" panose="02040503050406030204" pitchFamily="18" charset="0"/>
+                          </a:rPr>
+                          <m:t>𝑚𝑚</m:t>
+                        </m:r>
+                      </m:e>
+                      <m:sup>
+                        <m:r>
+                          <a:rPr lang="en-GB" sz="1600" b="0" i="1" dirty="0" smtClean="0">
+                            <a:latin typeface="Cambria Math" panose="02040503050406030204" pitchFamily="18" charset="0"/>
+                          </a:rPr>
+                          <m:t>3</m:t>
+                        </m:r>
+                      </m:sup>
+                    </m:sSup>
+                  </m:oMath>
+                </a14:m>
+                <a:endParaRPr lang="en-GB" sz="1600" dirty="0"/>
+              </a:p>
+              <a:p>
+                <a:r>
+                  <a:rPr lang="en-GB" sz="2000" dirty="0"/>
+                  <a:t>Detector</a:t>
+                </a:r>
+              </a:p>
+              <a:p>
+                <a:pPr lvl="1"/>
+                <a:r>
+                  <a:rPr lang="en-GB" sz="1600" dirty="0"/>
+                  <a:t>3D version of Regional Proposal Network using modified U-NET.</a:t>
+                </a:r>
+              </a:p>
+              <a:p>
+                <a:pPr lvl="1"/>
+                <a:r>
+                  <a:rPr lang="en-GB" sz="1600" dirty="0"/>
+                  <a:t>3 anchors </a:t>
+                </a:r>
+                <a14:m>
+                  <m:oMath xmlns:m="http://schemas.openxmlformats.org/officeDocument/2006/math">
+                    <m:sSup>
+                      <m:sSupPr>
+                        <m:ctrlPr>
+                          <a:rPr lang="en-GB" sz="1600" i="1" smtClean="0">
+                            <a:latin typeface="Cambria Math" panose="02040503050406030204" pitchFamily="18" charset="0"/>
+                          </a:rPr>
+                        </m:ctrlPr>
+                      </m:sSupPr>
+                      <m:e>
+                        <m:r>
+                          <a:rPr lang="en-GB" sz="1600" b="0" i="1" smtClean="0">
+                            <a:latin typeface="Cambria Math" panose="02040503050406030204" pitchFamily="18" charset="0"/>
+                          </a:rPr>
+                          <m:t>10</m:t>
+                        </m:r>
+                        <m:r>
+                          <a:rPr lang="en-GB" sz="1600" b="0" i="1" smtClean="0">
+                            <a:latin typeface="Cambria Math" panose="02040503050406030204" pitchFamily="18" charset="0"/>
+                          </a:rPr>
+                          <m:t>𝑚𝑚</m:t>
+                        </m:r>
+                      </m:e>
+                      <m:sup>
+                        <m:r>
+                          <a:rPr lang="en-GB" sz="1600" b="0" i="1" smtClean="0">
+                            <a:latin typeface="Cambria Math" panose="02040503050406030204" pitchFamily="18" charset="0"/>
+                          </a:rPr>
+                          <m:t>3</m:t>
+                        </m:r>
+                      </m:sup>
+                    </m:sSup>
+                    <m:r>
+                      <a:rPr lang="en-GB" sz="1600" b="0" i="1" smtClean="0">
+                        <a:latin typeface="Cambria Math" panose="02040503050406030204" pitchFamily="18" charset="0"/>
+                      </a:rPr>
+                      <m:t>, </m:t>
+                    </m:r>
+                    <m:sSup>
+                      <m:sSupPr>
+                        <m:ctrlPr>
+                          <a:rPr lang="en-GB" sz="1600" b="0" i="1" smtClean="0">
+                            <a:latin typeface="Cambria Math" panose="02040503050406030204" pitchFamily="18" charset="0"/>
+                          </a:rPr>
+                        </m:ctrlPr>
+                      </m:sSupPr>
+                      <m:e>
+                        <m:r>
+                          <a:rPr lang="en-GB" sz="1600" b="0" i="1" smtClean="0">
+                            <a:latin typeface="Cambria Math" panose="02040503050406030204" pitchFamily="18" charset="0"/>
+                          </a:rPr>
+                          <m:t>30</m:t>
+                        </m:r>
+                        <m:r>
+                          <a:rPr lang="en-GB" sz="1600" b="0" i="1" smtClean="0">
+                            <a:latin typeface="Cambria Math" panose="02040503050406030204" pitchFamily="18" charset="0"/>
+                          </a:rPr>
+                          <m:t>𝑚𝑚</m:t>
+                        </m:r>
+                      </m:e>
+                      <m:sup>
+                        <m:r>
+                          <a:rPr lang="en-GB" sz="1600" b="0" i="1" smtClean="0">
+                            <a:latin typeface="Cambria Math" panose="02040503050406030204" pitchFamily="18" charset="0"/>
+                          </a:rPr>
+                          <m:t>3</m:t>
+                        </m:r>
+                      </m:sup>
+                    </m:sSup>
+                    <m:r>
+                      <a:rPr lang="en-GB" sz="1600" b="0" i="1" smtClean="0">
+                        <a:latin typeface="Cambria Math" panose="02040503050406030204" pitchFamily="18" charset="0"/>
+                      </a:rPr>
+                      <m:t>, </m:t>
+                    </m:r>
+                    <m:sSup>
+                      <m:sSupPr>
+                        <m:ctrlPr>
+                          <a:rPr lang="en-GB" sz="1600" b="0" i="1" smtClean="0">
+                            <a:latin typeface="Cambria Math" panose="02040503050406030204" pitchFamily="18" charset="0"/>
+                          </a:rPr>
+                        </m:ctrlPr>
+                      </m:sSupPr>
+                      <m:e>
+                        <m:r>
+                          <a:rPr lang="en-GB" sz="1600" b="0" i="1" smtClean="0">
+                            <a:latin typeface="Cambria Math" panose="02040503050406030204" pitchFamily="18" charset="0"/>
+                          </a:rPr>
+                          <m:t>60</m:t>
+                        </m:r>
+                        <m:r>
+                          <a:rPr lang="en-GB" sz="1600" b="0" i="1" smtClean="0">
+                            <a:latin typeface="Cambria Math" panose="02040503050406030204" pitchFamily="18" charset="0"/>
+                          </a:rPr>
+                          <m:t>𝑚𝑚</m:t>
+                        </m:r>
+                      </m:e>
+                      <m:sup>
+                        <m:r>
+                          <a:rPr lang="en-GB" sz="1600" b="0" i="1" smtClean="0">
+                            <a:latin typeface="Cambria Math" panose="02040503050406030204" pitchFamily="18" charset="0"/>
+                          </a:rPr>
+                          <m:t>3</m:t>
+                        </m:r>
+                      </m:sup>
+                    </m:sSup>
+                    <m:r>
+                      <a:rPr lang="en-GB" sz="1600" b="0" i="1" smtClean="0">
+                        <a:latin typeface="Cambria Math" panose="02040503050406030204" pitchFamily="18" charset="0"/>
+                      </a:rPr>
+                      <m:t>.</m:t>
+                    </m:r>
+                  </m:oMath>
+                </a14:m>
+                <a:endParaRPr lang="en-GB" sz="1600" dirty="0"/>
+              </a:p>
+              <a:p>
+                <a:pPr lvl="1"/>
+                <a:r>
+                  <a:rPr lang="en-GB" sz="1600" dirty="0"/>
+                  <a:t>Patch based training using </a:t>
+                </a:r>
+                <a14:m>
+                  <m:oMath xmlns:m="http://schemas.openxmlformats.org/officeDocument/2006/math">
+                    <m:sSup>
+                      <m:sSupPr>
+                        <m:ctrlPr>
+                          <a:rPr lang="en-GB" sz="1600" i="1" smtClean="0">
+                            <a:latin typeface="Cambria Math" panose="02040503050406030204" pitchFamily="18" charset="0"/>
+                          </a:rPr>
+                        </m:ctrlPr>
+                      </m:sSupPr>
+                      <m:e>
+                        <m:r>
+                          <a:rPr lang="en-GB" sz="1600" b="0" i="1" smtClean="0">
+                            <a:latin typeface="Cambria Math" panose="02040503050406030204" pitchFamily="18" charset="0"/>
+                          </a:rPr>
+                          <m:t>128</m:t>
+                        </m:r>
+                        <m:r>
+                          <a:rPr lang="en-GB" sz="1600" b="0" i="1" smtClean="0">
+                            <a:latin typeface="Cambria Math" panose="02040503050406030204" pitchFamily="18" charset="0"/>
+                          </a:rPr>
+                          <m:t>𝑚𝑚</m:t>
+                        </m:r>
+                      </m:e>
+                      <m:sup>
+                        <m:r>
+                          <a:rPr lang="en-GB" sz="1600" b="0" i="1" smtClean="0">
+                            <a:latin typeface="Cambria Math" panose="02040503050406030204" pitchFamily="18" charset="0"/>
+                          </a:rPr>
+                          <m:t>3</m:t>
+                        </m:r>
+                      </m:sup>
+                    </m:sSup>
+                    <m:r>
+                      <a:rPr lang="en-GB" sz="1600" b="0" i="1" smtClean="0">
+                        <a:latin typeface="Cambria Math" panose="02040503050406030204" pitchFamily="18" charset="0"/>
+                      </a:rPr>
+                      <m:t>.</m:t>
+                    </m:r>
+                  </m:oMath>
+                </a14:m>
+                <a:endParaRPr lang="en-GB" sz="1600" dirty="0"/>
+              </a:p>
+              <a:p>
+                <a:pPr lvl="1"/>
+                <a:r>
+                  <a:rPr lang="en-GB" sz="1600" dirty="0"/>
+                  <a:t>Positive sample balancing for large nodules.</a:t>
+                </a:r>
+              </a:p>
+              <a:p>
+                <a:pPr lvl="1"/>
+                <a:r>
+                  <a:rPr lang="en-GB" sz="1600" dirty="0"/>
+                  <a:t>Hard negative mining i.e., only most nodule-like negative samples are used in training.</a:t>
+                </a:r>
+              </a:p>
+              <a:p>
+                <a:pPr lvl="1"/>
+                <a:r>
+                  <a:rPr lang="en-GB" sz="1600" dirty="0"/>
+                  <a:t>Location information is introduced into network.</a:t>
+                </a:r>
+              </a:p>
+              <a:p>
+                <a:pPr lvl="1"/>
+                <a:endParaRPr lang="en-GB" sz="1600" dirty="0"/>
+              </a:p>
+              <a:p>
+                <a:pPr lvl="1"/>
+                <a:endParaRPr lang="en-US" sz="1600" dirty="0"/>
+              </a:p>
+            </p:txBody>
+          </p:sp>
+        </mc:Choice>
+        <mc:Fallback>
+          <p:sp>
+            <p:nvSpPr>
+              <p:cNvPr id="6" name="Content Placeholder 5">
+                <a:extLst>
+                  <a:ext uri="{FF2B5EF4-FFF2-40B4-BE49-F238E27FC236}">
+                    <a16:creationId xmlns:a16="http://schemas.microsoft.com/office/drawing/2014/main" id="{52B79406-BDED-A818-0D4A-9E63B04BCA30}"/>
+                  </a:ext>
+                </a:extLst>
+              </p:cNvPr>
+              <p:cNvSpPr>
+                <a:spLocks noGrp="1" noRot="1" noChangeAspect="1" noMove="1" noResize="1" noEditPoints="1" noAdjustHandles="1" noChangeArrowheads="1" noChangeShapeType="1" noTextEdit="1"/>
+              </p:cNvSpPr>
+              <p:nvPr>
+                <p:ph sz="half" idx="2"/>
+              </p:nvPr>
+            </p:nvSpPr>
+            <p:spPr>
+              <a:xfrm>
+                <a:off x="839788" y="1539875"/>
+                <a:ext cx="5157787" cy="4649788"/>
+              </a:xfrm>
+              <a:blipFill>
+                <a:blip r:embed="rId3"/>
+                <a:stretch>
+                  <a:fillRect l="-1229" t="-1635"/>
+                </a:stretch>
+              </a:blipFill>
+            </p:spPr>
+            <p:txBody>
+              <a:bodyPr/>
+              <a:lstStyle/>
+              <a:p>
+                <a:r>
+                  <a:rPr lang="en-US">
+                    <a:noFill/>
+                  </a:rPr>
+                  <a:t> </a:t>
+                </a:r>
+              </a:p>
+            </p:txBody>
+          </p:sp>
+        </mc:Fallback>
+      </mc:AlternateContent>
+      <p:pic>
+        <p:nvPicPr>
+          <p:cNvPr id="13" name="Picture 12" descr="A diagram of a block diagram&#10;&#10;Description automatically generated">
+            <a:extLst>
+              <a:ext uri="{FF2B5EF4-FFF2-40B4-BE49-F238E27FC236}">
+                <a16:creationId xmlns:a16="http://schemas.microsoft.com/office/drawing/2014/main" id="{6E95A81F-4998-173E-2C22-D888111C2869}"/>
+              </a:ext>
+            </a:extLst>
+          </p:cNvPr>
+          <p:cNvPicPr>
+            <a:picLocks noChangeAspect="1"/>
+          </p:cNvPicPr>
+          <p:nvPr/>
+        </p:nvPicPr>
+        <p:blipFill>
+          <a:blip r:embed="rId4"/>
+          <a:stretch>
+            <a:fillRect/>
+          </a:stretch>
+        </p:blipFill>
+        <p:spPr>
+          <a:xfrm>
+            <a:off x="6811962" y="1539875"/>
+            <a:ext cx="4540250" cy="3117906"/>
+          </a:xfrm>
+          <a:prstGeom prst="rect">
+            <a:avLst/>
+          </a:prstGeom>
+        </p:spPr>
+      </p:pic>
+      <p:sp>
+        <p:nvSpPr>
+          <p:cNvPr id="14" name="TextBox 13">
+            <a:extLst>
+              <a:ext uri="{FF2B5EF4-FFF2-40B4-BE49-F238E27FC236}">
+                <a16:creationId xmlns:a16="http://schemas.microsoft.com/office/drawing/2014/main" id="{022C6A15-8801-85DF-162C-1D9DA713FB17}"/>
+              </a:ext>
+            </a:extLst>
+          </p:cNvPr>
+          <p:cNvSpPr txBox="1"/>
+          <p:nvPr/>
+        </p:nvSpPr>
+        <p:spPr>
+          <a:xfrm>
+            <a:off x="6811962" y="4848765"/>
+            <a:ext cx="4960938" cy="938719"/>
+          </a:xfrm>
+          <a:prstGeom prst="rect">
+            <a:avLst/>
+          </a:prstGeom>
+          <a:noFill/>
+        </p:spPr>
+        <p:txBody>
+          <a:bodyPr wrap="square" rtlCol="0">
+            <a:spAutoFit/>
+          </a:bodyPr>
+          <a:lstStyle/>
+          <a:p>
+            <a:r>
+              <a:rPr lang="en-GB" sz="1100" dirty="0">
+                <a:effectLst/>
+                <a:ea typeface="Times New Roman" panose="02020603050405020304" pitchFamily="18" charset="0"/>
+              </a:rPr>
+              <a:t>Nodule detection network. The figure inside the cube references spatial size and the figure top-right of the cube refers to the channels. (a) shows an overview of the network, comprising of a forward pass and a backward pass. (b) shows the composition of the residual blocks and (c) shows how the localisation block is concatenated into the network.</a:t>
+            </a:r>
+            <a:endParaRPr lang="en-US" sz="1100" dirty="0"/>
           </a:p>
         </p:txBody>
       </p:sp>
     </p:spTree>
     <p:extLst>
       <p:ext uri="{BB962C8B-B14F-4D97-AF65-F5344CB8AC3E}">
-        <p14:creationId xmlns:p14="http://schemas.microsoft.com/office/powerpoint/2010/main" val="2504540438"/>
+        <p14:creationId xmlns:p14="http://schemas.microsoft.com/office/powerpoint/2010/main" val="3275720466"/>
       </p:ext>
     </p:extLst>
   </p:cSld>
@@ -4235,6 +5165,340 @@
 </file>
 
 <file path=ppt/slides/slide6.xml><?xml version="1.0" encoding="utf-8"?>
+<p:sld xmlns:a="http://schemas.openxmlformats.org/drawingml/2006/main" xmlns:r="http://schemas.openxmlformats.org/officeDocument/2006/relationships" xmlns:p="http://schemas.openxmlformats.org/presentationml/2006/main">
+  <p:cSld>
+    <p:spTree>
+      <p:nvGrpSpPr>
+        <p:cNvPr id="1" name=""/>
+        <p:cNvGrpSpPr/>
+        <p:nvPr/>
+      </p:nvGrpSpPr>
+      <p:grpSpPr>
+        <a:xfrm>
+          <a:off x="0" y="0"/>
+          <a:ext cx="0" cy="0"/>
+          <a:chOff x="0" y="0"/>
+          <a:chExt cx="0" cy="0"/>
+        </a:xfrm>
+      </p:grpSpPr>
+      <p:sp>
+        <p:nvSpPr>
+          <p:cNvPr id="2" name="Title 1">
+            <a:extLst>
+              <a:ext uri="{FF2B5EF4-FFF2-40B4-BE49-F238E27FC236}">
+                <a16:creationId xmlns:a16="http://schemas.microsoft.com/office/drawing/2014/main" id="{1E21C1BF-D68F-DEF1-3A7D-6DD024357125}"/>
+              </a:ext>
+            </a:extLst>
+          </p:cNvPr>
+          <p:cNvSpPr>
+            <a:spLocks noGrp="1"/>
+          </p:cNvSpPr>
+          <p:nvPr>
+            <p:ph type="title"/>
+          </p:nvPr>
+        </p:nvSpPr>
+        <p:spPr>
+          <a:xfrm>
+            <a:off x="839788" y="365125"/>
+            <a:ext cx="10515600" cy="587375"/>
+          </a:xfrm>
+        </p:spPr>
+        <p:txBody>
+          <a:bodyPr>
+            <a:normAutofit fontScale="90000"/>
+          </a:bodyPr>
+          <a:lstStyle/>
+          <a:p>
+            <a:r>
+              <a:rPr lang="en-US" dirty="0"/>
+              <a:t>Models</a:t>
+            </a:r>
+          </a:p>
+        </p:txBody>
+      </p:sp>
+      <p:sp>
+        <p:nvSpPr>
+          <p:cNvPr id="5" name="Text Placeholder 4">
+            <a:extLst>
+              <a:ext uri="{FF2B5EF4-FFF2-40B4-BE49-F238E27FC236}">
+                <a16:creationId xmlns:a16="http://schemas.microsoft.com/office/drawing/2014/main" id="{C8A140BC-A8B0-D803-C902-498294D61B92}"/>
+              </a:ext>
+            </a:extLst>
+          </p:cNvPr>
+          <p:cNvSpPr>
+            <a:spLocks noGrp="1"/>
+          </p:cNvSpPr>
+          <p:nvPr>
+            <p:ph type="body" idx="1"/>
+          </p:nvPr>
+        </p:nvSpPr>
+        <p:spPr>
+          <a:xfrm>
+            <a:off x="836612" y="952500"/>
+            <a:ext cx="5157787" cy="587375"/>
+          </a:xfrm>
+        </p:spPr>
+        <p:txBody>
+          <a:bodyPr/>
+          <a:lstStyle/>
+          <a:p>
+            <a:r>
+              <a:rPr lang="en-US" dirty="0" err="1"/>
+              <a:t>nnDetection</a:t>
+            </a:r>
+            <a:r>
+              <a:rPr lang="en-US" dirty="0"/>
+              <a:t> by </a:t>
+            </a:r>
+            <a:r>
+              <a:rPr lang="en-US" dirty="0" err="1"/>
+              <a:t>Monai</a:t>
+            </a:r>
+            <a:endParaRPr lang="en-US" dirty="0"/>
+          </a:p>
+        </p:txBody>
+      </p:sp>
+      <p:sp>
+        <p:nvSpPr>
+          <p:cNvPr id="6" name="Content Placeholder 5">
+            <a:extLst>
+              <a:ext uri="{FF2B5EF4-FFF2-40B4-BE49-F238E27FC236}">
+                <a16:creationId xmlns:a16="http://schemas.microsoft.com/office/drawing/2014/main" id="{52B79406-BDED-A818-0D4A-9E63B04BCA30}"/>
+              </a:ext>
+            </a:extLst>
+          </p:cNvPr>
+          <p:cNvSpPr>
+            <a:spLocks noGrp="1"/>
+          </p:cNvSpPr>
+          <p:nvPr>
+            <p:ph sz="half" idx="2"/>
+          </p:nvPr>
+        </p:nvSpPr>
+        <p:spPr>
+          <a:xfrm>
+            <a:off x="839788" y="1539875"/>
+            <a:ext cx="5157787" cy="4649788"/>
+          </a:xfrm>
+        </p:spPr>
+        <p:txBody>
+          <a:bodyPr>
+            <a:normAutofit/>
+          </a:bodyPr>
+          <a:lstStyle/>
+          <a:p>
+            <a:endParaRPr lang="en-GB" sz="2000" dirty="0"/>
+          </a:p>
+          <a:p>
+            <a:pPr lvl="1"/>
+            <a:endParaRPr lang="en-US" sz="1600" dirty="0"/>
+          </a:p>
+        </p:txBody>
+      </p:sp>
+    </p:spTree>
+    <p:extLst>
+      <p:ext uri="{BB962C8B-B14F-4D97-AF65-F5344CB8AC3E}">
+        <p14:creationId xmlns:p14="http://schemas.microsoft.com/office/powerpoint/2010/main" val="3961173313"/>
+      </p:ext>
+    </p:extLst>
+  </p:cSld>
+  <p:clrMapOvr>
+    <a:masterClrMapping/>
+  </p:clrMapOvr>
+</p:sld>
+</file>
+
+<file path=ppt/slides/slide7.xml><?xml version="1.0" encoding="utf-8"?>
+<p:sld xmlns:a="http://schemas.openxmlformats.org/drawingml/2006/main" xmlns:r="http://schemas.openxmlformats.org/officeDocument/2006/relationships" xmlns:p="http://schemas.openxmlformats.org/presentationml/2006/main">
+  <p:cSld>
+    <p:spTree>
+      <p:nvGrpSpPr>
+        <p:cNvPr id="1" name=""/>
+        <p:cNvGrpSpPr/>
+        <p:nvPr/>
+      </p:nvGrpSpPr>
+      <p:grpSpPr>
+        <a:xfrm>
+          <a:off x="0" y="0"/>
+          <a:ext cx="0" cy="0"/>
+          <a:chOff x="0" y="0"/>
+          <a:chExt cx="0" cy="0"/>
+        </a:xfrm>
+      </p:grpSpPr>
+      <p:sp>
+        <p:nvSpPr>
+          <p:cNvPr id="2" name="Title 1">
+            <a:extLst>
+              <a:ext uri="{FF2B5EF4-FFF2-40B4-BE49-F238E27FC236}">
+                <a16:creationId xmlns:a16="http://schemas.microsoft.com/office/drawing/2014/main" id="{1E21C1BF-D68F-DEF1-3A7D-6DD024357125}"/>
+              </a:ext>
+            </a:extLst>
+          </p:cNvPr>
+          <p:cNvSpPr>
+            <a:spLocks noGrp="1"/>
+          </p:cNvSpPr>
+          <p:nvPr>
+            <p:ph type="title"/>
+          </p:nvPr>
+        </p:nvSpPr>
+        <p:spPr>
+          <a:xfrm>
+            <a:off x="839788" y="365125"/>
+            <a:ext cx="10515600" cy="587375"/>
+          </a:xfrm>
+        </p:spPr>
+        <p:txBody>
+          <a:bodyPr>
+            <a:normAutofit fontScale="90000"/>
+          </a:bodyPr>
+          <a:lstStyle/>
+          <a:p>
+            <a:r>
+              <a:rPr lang="en-US" dirty="0"/>
+              <a:t>Datasets</a:t>
+            </a:r>
+          </a:p>
+        </p:txBody>
+      </p:sp>
+      <p:sp>
+        <p:nvSpPr>
+          <p:cNvPr id="5" name="Text Placeholder 4">
+            <a:extLst>
+              <a:ext uri="{FF2B5EF4-FFF2-40B4-BE49-F238E27FC236}">
+                <a16:creationId xmlns:a16="http://schemas.microsoft.com/office/drawing/2014/main" id="{C8A140BC-A8B0-D803-C902-498294D61B92}"/>
+              </a:ext>
+            </a:extLst>
+          </p:cNvPr>
+          <p:cNvSpPr>
+            <a:spLocks noGrp="1"/>
+          </p:cNvSpPr>
+          <p:nvPr>
+            <p:ph type="body" idx="1"/>
+          </p:nvPr>
+        </p:nvSpPr>
+        <p:spPr>
+          <a:xfrm>
+            <a:off x="836612" y="952500"/>
+            <a:ext cx="5157787" cy="587375"/>
+          </a:xfrm>
+        </p:spPr>
+        <p:txBody>
+          <a:bodyPr/>
+          <a:lstStyle/>
+          <a:p>
+            <a:r>
+              <a:rPr lang="en-US" dirty="0"/>
+              <a:t>LUNA16</a:t>
+            </a:r>
+          </a:p>
+        </p:txBody>
+      </p:sp>
+      <p:sp>
+        <p:nvSpPr>
+          <p:cNvPr id="6" name="Content Placeholder 5">
+            <a:extLst>
+              <a:ext uri="{FF2B5EF4-FFF2-40B4-BE49-F238E27FC236}">
+                <a16:creationId xmlns:a16="http://schemas.microsoft.com/office/drawing/2014/main" id="{52B79406-BDED-A818-0D4A-9E63B04BCA30}"/>
+              </a:ext>
+            </a:extLst>
+          </p:cNvPr>
+          <p:cNvSpPr>
+            <a:spLocks noGrp="1"/>
+          </p:cNvSpPr>
+          <p:nvPr>
+            <p:ph sz="half" idx="2"/>
+          </p:nvPr>
+        </p:nvSpPr>
+        <p:spPr>
+          <a:xfrm>
+            <a:off x="839788" y="1539875"/>
+            <a:ext cx="5157787" cy="4649788"/>
+          </a:xfrm>
+        </p:spPr>
+        <p:txBody>
+          <a:bodyPr/>
+          <a:lstStyle/>
+          <a:p>
+            <a:endParaRPr lang="en-US" dirty="0"/>
+          </a:p>
+        </p:txBody>
+      </p:sp>
+      <p:sp>
+        <p:nvSpPr>
+          <p:cNvPr id="7" name="Text Placeholder 6">
+            <a:extLst>
+              <a:ext uri="{FF2B5EF4-FFF2-40B4-BE49-F238E27FC236}">
+                <a16:creationId xmlns:a16="http://schemas.microsoft.com/office/drawing/2014/main" id="{57CA4D9A-0441-4B31-8C20-9F714469F52D}"/>
+              </a:ext>
+            </a:extLst>
+          </p:cNvPr>
+          <p:cNvSpPr>
+            <a:spLocks noGrp="1"/>
+          </p:cNvSpPr>
+          <p:nvPr>
+            <p:ph type="body" sz="quarter" idx="3"/>
+          </p:nvPr>
+        </p:nvSpPr>
+        <p:spPr>
+          <a:xfrm>
+            <a:off x="6172200" y="957263"/>
+            <a:ext cx="5183188" cy="587375"/>
+          </a:xfrm>
+        </p:spPr>
+        <p:txBody>
+          <a:bodyPr/>
+          <a:lstStyle/>
+          <a:p>
+            <a:r>
+              <a:rPr lang="en-US" dirty="0"/>
+              <a:t>SUMMIT</a:t>
+            </a:r>
+          </a:p>
+        </p:txBody>
+      </p:sp>
+      <p:sp>
+        <p:nvSpPr>
+          <p:cNvPr id="8" name="Content Placeholder 7">
+            <a:extLst>
+              <a:ext uri="{FF2B5EF4-FFF2-40B4-BE49-F238E27FC236}">
+                <a16:creationId xmlns:a16="http://schemas.microsoft.com/office/drawing/2014/main" id="{48D3247A-1354-5F33-F6C3-0CFFBA6FCC7E}"/>
+              </a:ext>
+            </a:extLst>
+          </p:cNvPr>
+          <p:cNvSpPr>
+            <a:spLocks noGrp="1"/>
+          </p:cNvSpPr>
+          <p:nvPr>
+            <p:ph sz="quarter" idx="4"/>
+          </p:nvPr>
+        </p:nvSpPr>
+        <p:spPr>
+          <a:xfrm>
+            <a:off x="6172200" y="1549401"/>
+            <a:ext cx="5183188" cy="4640262"/>
+          </a:xfrm>
+        </p:spPr>
+        <p:txBody>
+          <a:bodyPr/>
+          <a:lstStyle/>
+          <a:p>
+            <a:endParaRPr lang="en-US" dirty="0"/>
+          </a:p>
+        </p:txBody>
+      </p:sp>
+    </p:spTree>
+    <p:extLst>
+      <p:ext uri="{BB962C8B-B14F-4D97-AF65-F5344CB8AC3E}">
+        <p14:creationId xmlns:p14="http://schemas.microsoft.com/office/powerpoint/2010/main" val="1769370206"/>
+      </p:ext>
+    </p:extLst>
+  </p:cSld>
+  <p:clrMapOvr>
+    <a:masterClrMapping/>
+  </p:clrMapOvr>
+</p:sld>
+</file>
+
+<file path=ppt/slides/slide8.xml><?xml version="1.0" encoding="utf-8"?>
 <p:sld xmlns:a="http://schemas.openxmlformats.org/drawingml/2006/main" xmlns:r="http://schemas.openxmlformats.org/officeDocument/2006/relationships" xmlns:p="http://schemas.openxmlformats.org/presentationml/2006/main">
   <p:cSld>
     <p:spTree>
@@ -4658,4 +5922,299 @@
     </a:ext>
   </a:extLst>
 </a:theme>
+</file>
+
+<file path=ppt/theme/theme2.xml><?xml version="1.0" encoding="utf-8"?>
+<a:theme xmlns:a="http://schemas.openxmlformats.org/drawingml/2006/main" name="Office Theme">
+  <a:themeElements>
+    <a:clrScheme name="Office">
+      <a:dk1>
+        <a:sysClr val="windowText" lastClr="000000"/>
+      </a:dk1>
+      <a:lt1>
+        <a:sysClr val="window" lastClr="FFFFFF"/>
+      </a:lt1>
+      <a:dk2>
+        <a:srgbClr val="44546A"/>
+      </a:dk2>
+      <a:lt2>
+        <a:srgbClr val="E7E6E6"/>
+      </a:lt2>
+      <a:accent1>
+        <a:srgbClr val="4472C4"/>
+      </a:accent1>
+      <a:accent2>
+        <a:srgbClr val="ED7D31"/>
+      </a:accent2>
+      <a:accent3>
+        <a:srgbClr val="A5A5A5"/>
+      </a:accent3>
+      <a:accent4>
+        <a:srgbClr val="FFC000"/>
+      </a:accent4>
+      <a:accent5>
+        <a:srgbClr val="5B9BD5"/>
+      </a:accent5>
+      <a:accent6>
+        <a:srgbClr val="70AD47"/>
+      </a:accent6>
+      <a:hlink>
+        <a:srgbClr val="0563C1"/>
+      </a:hlink>
+      <a:folHlink>
+        <a:srgbClr val="954F72"/>
+      </a:folHlink>
+    </a:clrScheme>
+    <a:fontScheme name="Office">
+      <a:majorFont>
+        <a:latin typeface="Calibri Light" panose="020F0302020204030204"/>
+        <a:ea typeface=""/>
+        <a:cs typeface=""/>
+        <a:font script="Jpan" typeface="游ゴシック Light"/>
+        <a:font script="Hang" typeface="맑은 고딕"/>
+        <a:font script="Hans" typeface="等线 Light"/>
+        <a:font script="Hant" typeface="新細明體"/>
+        <a:font script="Arab" typeface="Times New Roman"/>
+        <a:font script="Hebr" typeface="Times New Roman"/>
+        <a:font script="Thai" typeface="Angsana New"/>
+        <a:font script="Ethi" typeface="Nyala"/>
+        <a:font script="Beng" typeface="Vrinda"/>
+        <a:font script="Gujr" typeface="Shruti"/>
+        <a:font script="Khmr" typeface="MoolBoran"/>
+        <a:font script="Knda" typeface="Tunga"/>
+        <a:font script="Guru" typeface="Raavi"/>
+        <a:font script="Cans" typeface="Euphemia"/>
+        <a:font script="Cher" typeface="Plantagenet Cherokee"/>
+        <a:font script="Yiii" typeface="Microsoft Yi Baiti"/>
+        <a:font script="Tibt" typeface="Microsoft Himalaya"/>
+        <a:font script="Thaa" typeface="MV Boli"/>
+        <a:font script="Deva" typeface="Mangal"/>
+        <a:font script="Telu" typeface="Gautami"/>
+        <a:font script="Taml" typeface="Latha"/>
+        <a:font script="Syrc" typeface="Estrangelo Edessa"/>
+        <a:font script="Orya" typeface="Kalinga"/>
+        <a:font script="Mlym" typeface="Kartika"/>
+        <a:font script="Laoo" typeface="DokChampa"/>
+        <a:font script="Sinh" typeface="Iskoola Pota"/>
+        <a:font script="Mong" typeface="Mongolian Baiti"/>
+        <a:font script="Viet" typeface="Times New Roman"/>
+        <a:font script="Uigh" typeface="Microsoft Uighur"/>
+        <a:font script="Geor" typeface="Sylfaen"/>
+        <a:font script="Armn" typeface="Arial"/>
+        <a:font script="Bugi" typeface="Leelawadee UI"/>
+        <a:font script="Bopo" typeface="Microsoft JhengHei"/>
+        <a:font script="Java" typeface="Javanese Text"/>
+        <a:font script="Lisu" typeface="Segoe UI"/>
+        <a:font script="Mymr" typeface="Myanmar Text"/>
+        <a:font script="Nkoo" typeface="Ebrima"/>
+        <a:font script="Olck" typeface="Nirmala UI"/>
+        <a:font script="Osma" typeface="Ebrima"/>
+        <a:font script="Phag" typeface="Phagspa"/>
+        <a:font script="Syrn" typeface="Estrangelo Edessa"/>
+        <a:font script="Syrj" typeface="Estrangelo Edessa"/>
+        <a:font script="Syre" typeface="Estrangelo Edessa"/>
+        <a:font script="Sora" typeface="Nirmala UI"/>
+        <a:font script="Tale" typeface="Microsoft Tai Le"/>
+        <a:font script="Talu" typeface="Microsoft New Tai Lue"/>
+        <a:font script="Tfng" typeface="Ebrima"/>
+      </a:majorFont>
+      <a:minorFont>
+        <a:latin typeface="Calibri" panose="020F0502020204030204"/>
+        <a:ea typeface=""/>
+        <a:cs typeface=""/>
+        <a:font script="Jpan" typeface="游ゴシック"/>
+        <a:font script="Hang" typeface="맑은 고딕"/>
+        <a:font script="Hans" typeface="等线"/>
+        <a:font script="Hant" typeface="新細明體"/>
+        <a:font script="Arab" typeface="Arial"/>
+        <a:font script="Hebr" typeface="Arial"/>
+        <a:font script="Thai" typeface="Cordia New"/>
+        <a:font script="Ethi" typeface="Nyala"/>
+        <a:font script="Beng" typeface="Vrinda"/>
+        <a:font script="Gujr" typeface="Shruti"/>
+        <a:font script="Khmr" typeface="DaunPenh"/>
+        <a:font script="Knda" typeface="Tunga"/>
+        <a:font script="Guru" typeface="Raavi"/>
+        <a:font script="Cans" typeface="Euphemia"/>
+        <a:font script="Cher" typeface="Plantagenet Cherokee"/>
+        <a:font script="Yiii" typeface="Microsoft Yi Baiti"/>
+        <a:font script="Tibt" typeface="Microsoft Himalaya"/>
+        <a:font script="Thaa" typeface="MV Boli"/>
+        <a:font script="Deva" typeface="Mangal"/>
+        <a:font script="Telu" typeface="Gautami"/>
+        <a:font script="Taml" typeface="Latha"/>
+        <a:font script="Syrc" typeface="Estrangelo Edessa"/>
+        <a:font script="Orya" typeface="Kalinga"/>
+        <a:font script="Mlym" typeface="Kartika"/>
+        <a:font script="Laoo" typeface="DokChampa"/>
+        <a:font script="Sinh" typeface="Iskoola Pota"/>
+        <a:font script="Mong" typeface="Mongolian Baiti"/>
+        <a:font script="Viet" typeface="Arial"/>
+        <a:font script="Uigh" typeface="Microsoft Uighur"/>
+        <a:font script="Geor" typeface="Sylfaen"/>
+        <a:font script="Armn" typeface="Arial"/>
+        <a:font script="Bugi" typeface="Leelawadee UI"/>
+        <a:font script="Bopo" typeface="Microsoft JhengHei"/>
+        <a:font script="Java" typeface="Javanese Text"/>
+        <a:font script="Lisu" typeface="Segoe UI"/>
+        <a:font script="Mymr" typeface="Myanmar Text"/>
+        <a:font script="Nkoo" typeface="Ebrima"/>
+        <a:font script="Olck" typeface="Nirmala UI"/>
+        <a:font script="Osma" typeface="Ebrima"/>
+        <a:font script="Phag" typeface="Phagspa"/>
+        <a:font script="Syrn" typeface="Estrangelo Edessa"/>
+        <a:font script="Syrj" typeface="Estrangelo Edessa"/>
+        <a:font script="Syre" typeface="Estrangelo Edessa"/>
+        <a:font script="Sora" typeface="Nirmala UI"/>
+        <a:font script="Tale" typeface="Microsoft Tai Le"/>
+        <a:font script="Talu" typeface="Microsoft New Tai Lue"/>
+        <a:font script="Tfng" typeface="Ebrima"/>
+      </a:minorFont>
+    </a:fontScheme>
+    <a:fmtScheme name="Office">
+      <a:fillStyleLst>
+        <a:solidFill>
+          <a:schemeClr val="phClr"/>
+        </a:solidFill>
+        <a:gradFill rotWithShape="1">
+          <a:gsLst>
+            <a:gs pos="0">
+              <a:schemeClr val="phClr">
+                <a:lumMod val="110000"/>
+                <a:satMod val="105000"/>
+                <a:tint val="67000"/>
+              </a:schemeClr>
+            </a:gs>
+            <a:gs pos="50000">
+              <a:schemeClr val="phClr">
+                <a:lumMod val="105000"/>
+                <a:satMod val="103000"/>
+                <a:tint val="73000"/>
+              </a:schemeClr>
+            </a:gs>
+            <a:gs pos="100000">
+              <a:schemeClr val="phClr">
+                <a:lumMod val="105000"/>
+                <a:satMod val="109000"/>
+                <a:tint val="81000"/>
+              </a:schemeClr>
+            </a:gs>
+          </a:gsLst>
+          <a:lin ang="5400000" scaled="0"/>
+        </a:gradFill>
+        <a:gradFill rotWithShape="1">
+          <a:gsLst>
+            <a:gs pos="0">
+              <a:schemeClr val="phClr">
+                <a:satMod val="103000"/>
+                <a:lumMod val="102000"/>
+                <a:tint val="94000"/>
+              </a:schemeClr>
+            </a:gs>
+            <a:gs pos="50000">
+              <a:schemeClr val="phClr">
+                <a:satMod val="110000"/>
+                <a:lumMod val="100000"/>
+                <a:shade val="100000"/>
+              </a:schemeClr>
+            </a:gs>
+            <a:gs pos="100000">
+              <a:schemeClr val="phClr">
+                <a:lumMod val="99000"/>
+                <a:satMod val="120000"/>
+                <a:shade val="78000"/>
+              </a:schemeClr>
+            </a:gs>
+          </a:gsLst>
+          <a:lin ang="5400000" scaled="0"/>
+        </a:gradFill>
+      </a:fillStyleLst>
+      <a:lnStyleLst>
+        <a:ln w="6350" cap="flat" cmpd="sng" algn="ctr">
+          <a:solidFill>
+            <a:schemeClr val="phClr"/>
+          </a:solidFill>
+          <a:prstDash val="solid"/>
+          <a:miter lim="800000"/>
+        </a:ln>
+        <a:ln w="12700" cap="flat" cmpd="sng" algn="ctr">
+          <a:solidFill>
+            <a:schemeClr val="phClr"/>
+          </a:solidFill>
+          <a:prstDash val="solid"/>
+          <a:miter lim="800000"/>
+        </a:ln>
+        <a:ln w="19050" cap="flat" cmpd="sng" algn="ctr">
+          <a:solidFill>
+            <a:schemeClr val="phClr"/>
+          </a:solidFill>
+          <a:prstDash val="solid"/>
+          <a:miter lim="800000"/>
+        </a:ln>
+      </a:lnStyleLst>
+      <a:effectStyleLst>
+        <a:effectStyle>
+          <a:effectLst/>
+        </a:effectStyle>
+        <a:effectStyle>
+          <a:effectLst/>
+        </a:effectStyle>
+        <a:effectStyle>
+          <a:effectLst>
+            <a:outerShdw blurRad="57150" dist="19050" dir="5400000" algn="ctr" rotWithShape="0">
+              <a:srgbClr val="000000">
+                <a:alpha val="63000"/>
+              </a:srgbClr>
+            </a:outerShdw>
+          </a:effectLst>
+        </a:effectStyle>
+      </a:effectStyleLst>
+      <a:bgFillStyleLst>
+        <a:solidFill>
+          <a:schemeClr val="phClr"/>
+        </a:solidFill>
+        <a:solidFill>
+          <a:schemeClr val="phClr">
+            <a:tint val="95000"/>
+            <a:satMod val="170000"/>
+          </a:schemeClr>
+        </a:solidFill>
+        <a:gradFill rotWithShape="1">
+          <a:gsLst>
+            <a:gs pos="0">
+              <a:schemeClr val="phClr">
+                <a:tint val="93000"/>
+                <a:satMod val="150000"/>
+                <a:shade val="98000"/>
+                <a:lumMod val="102000"/>
+              </a:schemeClr>
+            </a:gs>
+            <a:gs pos="50000">
+              <a:schemeClr val="phClr">
+                <a:tint val="98000"/>
+                <a:satMod val="130000"/>
+                <a:shade val="90000"/>
+                <a:lumMod val="103000"/>
+              </a:schemeClr>
+            </a:gs>
+            <a:gs pos="100000">
+              <a:schemeClr val="phClr">
+                <a:shade val="63000"/>
+                <a:satMod val="120000"/>
+              </a:schemeClr>
+            </a:gs>
+          </a:gsLst>
+          <a:lin ang="5400000" scaled="0"/>
+        </a:gradFill>
+      </a:bgFillStyleLst>
+    </a:fmtScheme>
+  </a:themeElements>
+  <a:objectDefaults/>
+  <a:extraClrSchemeLst/>
+  <a:extLst>
+    <a:ext uri="{05A4C25C-085E-4340-85A3-A5531E510DB2}">
+      <thm15:themeFamily xmlns:thm15="http://schemas.microsoft.com/office/thememl/2012/main" name="Office Theme" id="{62F939B6-93AF-4DB8-9C6B-D6C7DFDC589F}" vid="{4A3C46E8-61CC-4603-A589-7422A47A8E4A}"/>
+    </a:ext>
+  </a:extLst>
+</a:theme>
 </file>